--- a/07pat/ECDLgraph.pptx
+++ b/07pat/ECDLgraph.pptx
@@ -400,7 +400,7 @@
           <a:blip r:embed="rId2" cstate="print">
             <a:extLst>
               <a:ext uri="{28A0092B-C50C-407E-A947-70E740481C1C}">
-                <a14:useLocalDpi xmlns="" xmlns:a14="http://schemas.microsoft.com/office/drawing/2010/main" val="0"/>
+                <a14:useLocalDpi xmlns:a14="http://schemas.microsoft.com/office/drawing/2010/main" xmlns="" val="0"/>
               </a:ext>
             </a:extLst>
           </a:blip>
@@ -418,7 +418,7 @@
           <a:noFill/>
           <a:extLst>
             <a:ext uri="{909E8E84-426E-40DD-AFC4-6F175D3DCCD1}">
-              <a14:hiddenFill xmlns="" xmlns:a14="http://schemas.microsoft.com/office/drawing/2010/main">
+              <a14:hiddenFill xmlns:a14="http://schemas.microsoft.com/office/drawing/2010/main" xmlns="">
                 <a:solidFill>
                   <a:srgbClr val="FFFFFF"/>
                 </a:solidFill>
@@ -964,7 +964,7 @@
           <a:blip r:embed="rId2" cstate="print">
             <a:extLst>
               <a:ext uri="{28A0092B-C50C-407E-A947-70E740481C1C}">
-                <a14:useLocalDpi xmlns="" xmlns:a14="http://schemas.microsoft.com/office/drawing/2010/main" val="0"/>
+                <a14:useLocalDpi xmlns:a14="http://schemas.microsoft.com/office/drawing/2010/main" xmlns="" val="0"/>
               </a:ext>
             </a:extLst>
           </a:blip>
@@ -982,7 +982,7 @@
           <a:noFill/>
           <a:extLst>
             <a:ext uri="{909E8E84-426E-40DD-AFC4-6F175D3DCCD1}">
-              <a14:hiddenFill xmlns="" xmlns:a14="http://schemas.microsoft.com/office/drawing/2010/main">
+              <a14:hiddenFill xmlns:a14="http://schemas.microsoft.com/office/drawing/2010/main" xmlns="">
                 <a:solidFill>
                   <a:srgbClr val="FFFFFF"/>
                 </a:solidFill>
@@ -3552,7 +3552,7 @@
     </p:spTree>
     <p:extLst>
       <p:ext uri="{BB962C8B-B14F-4D97-AF65-F5344CB8AC3E}">
-        <p14:creationId xmlns="" xmlns:p14="http://schemas.microsoft.com/office/powerpoint/2010/main" val="4082318503"/>
+        <p14:creationId xmlns:p14="http://schemas.microsoft.com/office/powerpoint/2010/main" xmlns="" val="4082318503"/>
       </p:ext>
     </p:extLst>
   </p:cSld>
@@ -3711,7 +3711,7 @@
           <a:blip r:embed="rId2" cstate="print">
             <a:extLst>
               <a:ext uri="{28A0092B-C50C-407E-A947-70E740481C1C}">
-                <a14:useLocalDpi xmlns="" xmlns:a14="http://schemas.microsoft.com/office/drawing/2010/main" val="0"/>
+                <a14:useLocalDpi xmlns:a14="http://schemas.microsoft.com/office/drawing/2010/main" xmlns="" val="0"/>
               </a:ext>
             </a:extLst>
           </a:blip>
@@ -3731,7 +3731,7 @@
           <a:noFill/>
           <a:extLst>
             <a:ext uri="{909E8E84-426E-40DD-AFC4-6F175D3DCCD1}">
-              <a14:hiddenFill xmlns="" xmlns:a14="http://schemas.microsoft.com/office/drawing/2010/main">
+              <a14:hiddenFill xmlns:a14="http://schemas.microsoft.com/office/drawing/2010/main" xmlns="">
                 <a:solidFill>
                   <a:srgbClr val="FFFFFF"/>
                 </a:solidFill>
@@ -3743,7 +3743,7 @@
     </p:spTree>
     <p:extLst>
       <p:ext uri="{BB962C8B-B14F-4D97-AF65-F5344CB8AC3E}">
-        <p14:creationId xmlns="" xmlns:p14="http://schemas.microsoft.com/office/powerpoint/2010/main" val="1616724772"/>
+        <p14:creationId xmlns:p14="http://schemas.microsoft.com/office/powerpoint/2010/main" xmlns="" val="1616724772"/>
       </p:ext>
     </p:extLst>
   </p:cSld>
@@ -4723,7 +4723,7 @@
           <a:blip r:embed="rId3" cstate="print">
             <a:extLst>
               <a:ext uri="{28A0092B-C50C-407E-A947-70E740481C1C}">
-                <a14:useLocalDpi xmlns="" xmlns:a14="http://schemas.microsoft.com/office/drawing/2010/main" val="0"/>
+                <a14:useLocalDpi xmlns:a14="http://schemas.microsoft.com/office/drawing/2010/main" xmlns="" val="0"/>
               </a:ext>
             </a:extLst>
           </a:blip>
@@ -4743,7 +4743,7 @@
           <a:noFill/>
           <a:extLst>
             <a:ext uri="{909E8E84-426E-40DD-AFC4-6F175D3DCCD1}">
-              <a14:hiddenFill xmlns="" xmlns:a14="http://schemas.microsoft.com/office/drawing/2010/main">
+              <a14:hiddenFill xmlns:a14="http://schemas.microsoft.com/office/drawing/2010/main" xmlns="">
                 <a:solidFill>
                   <a:srgbClr val="FFFFFF"/>
                 </a:solidFill>
@@ -4755,7 +4755,7 @@
     </p:spTree>
     <p:extLst>
       <p:ext uri="{BB962C8B-B14F-4D97-AF65-F5344CB8AC3E}">
-        <p14:creationId xmlns="" xmlns:p14="http://schemas.microsoft.com/office/powerpoint/2010/main" val="970620059"/>
+        <p14:creationId xmlns:p14="http://schemas.microsoft.com/office/powerpoint/2010/main" xmlns="" val="970620059"/>
       </p:ext>
     </p:extLst>
   </p:cSld>
@@ -4859,11 +4859,7 @@
             </a:r>
             <a:r>
               <a:rPr lang="en-GB" sz="2800" dirty="0" smtClean="0"/>
-              <a:t> with the following </a:t>
-            </a:r>
-            <a:r>
-              <a:rPr lang="en-GB" sz="2800" dirty="0" smtClean="0"/>
-              <a:t>information (</a:t>
+              <a:t> with the following information (</a:t>
             </a:r>
             <a:r>
               <a:rPr lang="en-GB" sz="2800" dirty="0" smtClean="0">
@@ -4877,7 +4873,6 @@
               <a:rPr lang="en-GB" sz="2800" dirty="0" smtClean="0"/>
               <a:t>)</a:t>
             </a:r>
-            <a:endParaRPr lang="en-GB" sz="2800" dirty="0" smtClean="0"/>
           </a:p>
           <a:p>
             <a:pPr marL="514350" indent="-514350">
@@ -4979,7 +4974,7 @@
           <a:blip r:embed="rId2" cstate="print">
             <a:extLst>
               <a:ext uri="{28A0092B-C50C-407E-A947-70E740481C1C}">
-                <a14:useLocalDpi xmlns="" xmlns:a14="http://schemas.microsoft.com/office/drawing/2010/main" val="0"/>
+                <a14:useLocalDpi xmlns:a14="http://schemas.microsoft.com/office/drawing/2010/main" xmlns="" val="0"/>
               </a:ext>
             </a:extLst>
           </a:blip>
@@ -4999,7 +4994,7 @@
           <a:noFill/>
           <a:extLst>
             <a:ext uri="{909E8E84-426E-40DD-AFC4-6F175D3DCCD1}">
-              <a14:hiddenFill xmlns="" xmlns:a14="http://schemas.microsoft.com/office/drawing/2010/main">
+              <a14:hiddenFill xmlns:a14="http://schemas.microsoft.com/office/drawing/2010/main" xmlns="">
                 <a:solidFill>
                   <a:srgbClr val="FFFFFF"/>
                 </a:solidFill>
@@ -5017,7 +5012,7 @@
           <p:nvPr>
             <p:extLst>
               <p:ext uri="{D42A27DB-BD31-4B8C-83A1-F6EECF244321}">
-                <p14:modId xmlns="" xmlns:p14="http://schemas.microsoft.com/office/powerpoint/2010/main" val="1880592620"/>
+                <p14:modId xmlns:p14="http://schemas.microsoft.com/office/powerpoint/2010/main" xmlns="" val="1880592620"/>
               </p:ext>
             </p:extLst>
           </p:nvPr>
@@ -5253,7 +5248,7 @@
     </p:spTree>
     <p:extLst>
       <p:ext uri="{BB962C8B-B14F-4D97-AF65-F5344CB8AC3E}">
-        <p14:creationId xmlns="" xmlns:p14="http://schemas.microsoft.com/office/powerpoint/2010/main" val="4198358110"/>
+        <p14:creationId xmlns:p14="http://schemas.microsoft.com/office/powerpoint/2010/main" xmlns="" val="4198358110"/>
       </p:ext>
     </p:extLst>
   </p:cSld>
@@ -5353,11 +5348,7 @@
             <a:pPr lvl="1"/>
             <a:r>
               <a:rPr lang="en-GB" sz="2800" dirty="0" smtClean="0"/>
-              <a:t>Change the text colour on the </a:t>
-            </a:r>
-            <a:r>
-              <a:rPr lang="en-GB" sz="2800" dirty="0" smtClean="0"/>
-              <a:t>legend</a:t>
+              <a:t>Change the text colour on the legend</a:t>
             </a:r>
           </a:p>
           <a:p>
@@ -5389,7 +5380,7 @@
           <a:blip r:embed="rId2" cstate="print">
             <a:extLst>
               <a:ext uri="{28A0092B-C50C-407E-A947-70E740481C1C}">
-                <a14:useLocalDpi xmlns="" xmlns:a14="http://schemas.microsoft.com/office/drawing/2010/main" val="0"/>
+                <a14:useLocalDpi xmlns:a14="http://schemas.microsoft.com/office/drawing/2010/main" xmlns="" val="0"/>
               </a:ext>
             </a:extLst>
           </a:blip>
@@ -5409,7 +5400,7 @@
           <a:noFill/>
           <a:extLst>
             <a:ext uri="{909E8E84-426E-40DD-AFC4-6F175D3DCCD1}">
-              <a14:hiddenFill xmlns="" xmlns:a14="http://schemas.microsoft.com/office/drawing/2010/main">
+              <a14:hiddenFill xmlns:a14="http://schemas.microsoft.com/office/drawing/2010/main" xmlns="">
                 <a:solidFill>
                   <a:srgbClr val="FFFFFF"/>
                 </a:solidFill>
@@ -5421,7 +5412,7 @@
     </p:spTree>
     <p:extLst>
       <p:ext uri="{BB962C8B-B14F-4D97-AF65-F5344CB8AC3E}">
-        <p14:creationId xmlns="" xmlns:p14="http://schemas.microsoft.com/office/powerpoint/2010/main" val="588990593"/>
+        <p14:creationId xmlns:p14="http://schemas.microsoft.com/office/powerpoint/2010/main" xmlns="" val="588990593"/>
       </p:ext>
     </p:extLst>
   </p:cSld>
@@ -5472,7 +5463,7 @@
           <a:p>
             <a:r>
               <a:rPr lang="en-GB" dirty="0" smtClean="0"/>
-              <a:t>Review</a:t>
+              <a:t>Plenary</a:t>
             </a:r>
             <a:endParaRPr lang="en-GB" dirty="0"/>
           </a:p>
@@ -5583,7 +5574,7 @@
           <a:blip r:embed="rId2" cstate="print">
             <a:extLst>
               <a:ext uri="{28A0092B-C50C-407E-A947-70E740481C1C}">
-                <a14:useLocalDpi xmlns="" xmlns:a14="http://schemas.microsoft.com/office/drawing/2010/main" val="0"/>
+                <a14:useLocalDpi xmlns:a14="http://schemas.microsoft.com/office/drawing/2010/main" xmlns="" val="0"/>
               </a:ext>
             </a:extLst>
           </a:blip>
@@ -5603,7 +5594,7 @@
           <a:noFill/>
           <a:extLst>
             <a:ext uri="{909E8E84-426E-40DD-AFC4-6F175D3DCCD1}">
-              <a14:hiddenFill xmlns="" xmlns:a14="http://schemas.microsoft.com/office/drawing/2010/main">
+              <a14:hiddenFill xmlns:a14="http://schemas.microsoft.com/office/drawing/2010/main" xmlns="">
                 <a:solidFill>
                   <a:srgbClr val="FFFFFF"/>
                 </a:solidFill>
@@ -5615,7 +5606,7 @@
     </p:spTree>
     <p:extLst>
       <p:ext uri="{BB962C8B-B14F-4D97-AF65-F5344CB8AC3E}">
-        <p14:creationId xmlns="" xmlns:p14="http://schemas.microsoft.com/office/powerpoint/2010/main" val="3258433848"/>
+        <p14:creationId xmlns:p14="http://schemas.microsoft.com/office/powerpoint/2010/main" xmlns="" val="3258433848"/>
       </p:ext>
     </p:extLst>
   </p:cSld>
@@ -5769,7 +5760,7 @@
           <a:blip r:embed="rId2" cstate="print">
             <a:extLst>
               <a:ext uri="{BEBA8EAE-BF5A-486C-A8C5-ECC9F3942E4B}">
-                <a14:imgProps xmlns="" xmlns:a14="http://schemas.microsoft.com/office/drawing/2010/main">
+                <a14:imgProps xmlns:a14="http://schemas.microsoft.com/office/drawing/2010/main" xmlns="">
                   <a14:imgLayer r:embed="rId3">
                     <a14:imgEffect>
                       <a14:backgroundRemoval t="0" b="100000" l="0" r="92662">
@@ -5785,7 +5776,7 @@
                 </a14:imgProps>
               </a:ext>
               <a:ext uri="{28A0092B-C50C-407E-A947-70E740481C1C}">
-                <a14:useLocalDpi xmlns="" xmlns:a14="http://schemas.microsoft.com/office/drawing/2010/main" val="0"/>
+                <a14:useLocalDpi xmlns:a14="http://schemas.microsoft.com/office/drawing/2010/main" xmlns="" val="0"/>
               </a:ext>
             </a:extLst>
           </a:blip>
@@ -5803,7 +5794,7 @@
           <a:noFill/>
           <a:extLst>
             <a:ext uri="{909E8E84-426E-40DD-AFC4-6F175D3DCCD1}">
-              <a14:hiddenFill xmlns="" xmlns:a14="http://schemas.microsoft.com/office/drawing/2010/main">
+              <a14:hiddenFill xmlns:a14="http://schemas.microsoft.com/office/drawing/2010/main" xmlns="">
                 <a:solidFill>
                   <a:srgbClr val="FFFFFF"/>
                 </a:solidFill>
@@ -5815,7 +5806,7 @@
     </p:spTree>
     <p:extLst>
       <p:ext uri="{BB962C8B-B14F-4D97-AF65-F5344CB8AC3E}">
-        <p14:creationId xmlns="" xmlns:p14="http://schemas.microsoft.com/office/powerpoint/2010/main" val="544654409"/>
+        <p14:creationId xmlns:p14="http://schemas.microsoft.com/office/powerpoint/2010/main" xmlns="" val="544654409"/>
       </p:ext>
     </p:extLst>
   </p:cSld>
